--- a/Конвертор.pptx
+++ b/Конвертор.pptx
@@ -5,14 +5,15 @@
     <p:sldMasterId id="2147483672" r:id="rId1"/>
   </p:sldMasterIdLst>
   <p:notesMasterIdLst>
-    <p:notesMasterId r:id="rId7"/>
+    <p:notesMasterId r:id="rId8"/>
   </p:notesMasterIdLst>
   <p:sldIdLst>
     <p:sldId id="256" r:id="rId2"/>
     <p:sldId id="257" r:id="rId3"/>
     <p:sldId id="258" r:id="rId4"/>
     <p:sldId id="261" r:id="rId5"/>
-    <p:sldId id="260" r:id="rId6"/>
+    <p:sldId id="262" r:id="rId6"/>
+    <p:sldId id="260" r:id="rId7"/>
   </p:sldIdLst>
   <p:sldSz cx="12192000" cy="6858000"/>
   <p:notesSz cx="6858000" cy="9144000"/>
@@ -201,7 +202,7 @@
           <a:p>
             <a:fld id="{0B30DB98-0BBC-4A80-BA1E-E2FD1C86C274}" type="datetimeFigureOut">
               <a:rPr lang="ru-RU" smtClean="0"/>
-              <a:t>12.11.2024</a:t>
+              <a:t>18.11.2024</a:t>
             </a:fld>
             <a:endParaRPr lang="ru-RU"/>
           </a:p>
@@ -563,7 +564,7 @@
           <a:effectLst/>
           <a:extLst>
             <a:ext uri="{91240B29-F687-4f45-9708-019B960494DF}">
-              <a14:hiddenLine xmlns="" xmlns:a14="http://schemas.microsoft.com/office/drawing/2010/main" w="9525">
+              <a14:hiddenLine xmlns:a14="http://schemas.microsoft.com/office/drawing/2010/main" xmlns="" w="9525">
                 <a:solidFill>
                   <a:srgbClr val="000000"/>
                 </a:solidFill>
@@ -755,7 +756,7 @@
           <a:p>
             <a:fld id="{67CAAD57-9AB8-48B9-A27B-49D27E080C46}" type="datetimeFigureOut">
               <a:rPr lang="ru-RU" smtClean="0"/>
-              <a:t>12.11.2024</a:t>
+              <a:t>18.11.2024</a:t>
             </a:fld>
             <a:endParaRPr lang="ru-RU"/>
           </a:p>
@@ -1073,7 +1074,7 @@
           <a:p>
             <a:fld id="{67CAAD57-9AB8-48B9-A27B-49D27E080C46}" type="datetimeFigureOut">
               <a:rPr lang="ru-RU" smtClean="0"/>
-              <a:t>12.11.2024</a:t>
+              <a:t>18.11.2024</a:t>
             </a:fld>
             <a:endParaRPr lang="ru-RU"/>
           </a:p>
@@ -1561,7 +1562,7 @@
           <a:p>
             <a:fld id="{67CAAD57-9AB8-48B9-A27B-49D27E080C46}" type="datetimeFigureOut">
               <a:rPr lang="ru-RU" smtClean="0"/>
-              <a:t>12.11.2024</a:t>
+              <a:t>18.11.2024</a:t>
             </a:fld>
             <a:endParaRPr lang="ru-RU"/>
           </a:p>
@@ -1930,7 +1931,7 @@
           <a:p>
             <a:fld id="{67CAAD57-9AB8-48B9-A27B-49D27E080C46}" type="datetimeFigureOut">
               <a:rPr lang="ru-RU" smtClean="0"/>
-              <a:t>12.11.2024</a:t>
+              <a:t>18.11.2024</a:t>
             </a:fld>
             <a:endParaRPr lang="ru-RU"/>
           </a:p>
@@ -2085,7 +2086,7 @@
           <a:ln/>
           <a:extLst>
             <a:ext uri="{91240B29-F687-4f45-9708-019B960494DF}">
-              <a14:hiddenLine xmlns="" xmlns:a14="http://schemas.microsoft.com/office/drawing/2010/main" w="9525">
+              <a14:hiddenLine xmlns:a14="http://schemas.microsoft.com/office/drawing/2010/main" xmlns="" w="9525">
                 <a:solidFill>
                   <a:srgbClr val="000000"/>
                 </a:solidFill>
@@ -2203,7 +2204,7 @@
           <a:p>
             <a:fld id="{67CAAD57-9AB8-48B9-A27B-49D27E080C46}" type="datetimeFigureOut">
               <a:rPr lang="ru-RU" smtClean="0"/>
-              <a:t>12.11.2024</a:t>
+              <a:t>18.11.2024</a:t>
             </a:fld>
             <a:endParaRPr lang="ru-RU"/>
           </a:p>
@@ -2360,7 +2361,7 @@
           <a:ln/>
           <a:extLst>
             <a:ext uri="{91240B29-F687-4f45-9708-019B960494DF}">
-              <a14:hiddenLine xmlns="" xmlns:a14="http://schemas.microsoft.com/office/drawing/2010/main" w="9525">
+              <a14:hiddenLine xmlns:a14="http://schemas.microsoft.com/office/drawing/2010/main" xmlns="" w="9525">
                 <a:solidFill>
                   <a:srgbClr val="000000"/>
                 </a:solidFill>
@@ -2488,7 +2489,7 @@
           <a:p>
             <a:fld id="{67CAAD57-9AB8-48B9-A27B-49D27E080C46}" type="datetimeFigureOut">
               <a:rPr lang="ru-RU" smtClean="0"/>
-              <a:t>12.11.2024</a:t>
+              <a:t>18.11.2024</a:t>
             </a:fld>
             <a:endParaRPr lang="ru-RU"/>
           </a:p>
@@ -2643,7 +2644,7 @@
           <a:ln/>
           <a:extLst>
             <a:ext uri="{91240B29-F687-4f45-9708-019B960494DF}">
-              <a14:hiddenLine xmlns="" xmlns:a14="http://schemas.microsoft.com/office/drawing/2010/main" w="9525">
+              <a14:hiddenLine xmlns:a14="http://schemas.microsoft.com/office/drawing/2010/main" xmlns="" w="9525">
                 <a:solidFill>
                   <a:srgbClr val="000000"/>
                 </a:solidFill>
@@ -2771,7 +2772,7 @@
           <a:p>
             <a:fld id="{67CAAD57-9AB8-48B9-A27B-49D27E080C46}" type="datetimeFigureOut">
               <a:rPr lang="ru-RU" smtClean="0"/>
-              <a:t>12.11.2024</a:t>
+              <a:t>18.11.2024</a:t>
             </a:fld>
             <a:endParaRPr lang="ru-RU"/>
           </a:p>
@@ -3114,7 +3115,7 @@
           <a:p>
             <a:fld id="{67CAAD57-9AB8-48B9-A27B-49D27E080C46}" type="datetimeFigureOut">
               <a:rPr lang="ru-RU" smtClean="0"/>
-              <a:t>12.11.2024</a:t>
+              <a:t>18.11.2024</a:t>
             </a:fld>
             <a:endParaRPr lang="ru-RU"/>
           </a:p>
@@ -3269,7 +3270,7 @@
           <a:ln/>
           <a:extLst>
             <a:ext uri="{91240B29-F687-4f45-9708-019B960494DF}">
-              <a14:hiddenLine xmlns="" xmlns:a14="http://schemas.microsoft.com/office/drawing/2010/main" w="9525">
+              <a14:hiddenLine xmlns:a14="http://schemas.microsoft.com/office/drawing/2010/main" xmlns="" w="9525">
                 <a:solidFill>
                   <a:srgbClr val="000000"/>
                 </a:solidFill>
@@ -3453,7 +3454,7 @@
           <a:p>
             <a:fld id="{67CAAD57-9AB8-48B9-A27B-49D27E080C46}" type="datetimeFigureOut">
               <a:rPr lang="ru-RU" smtClean="0"/>
-              <a:t>12.11.2024</a:t>
+              <a:t>18.11.2024</a:t>
             </a:fld>
             <a:endParaRPr lang="ru-RU"/>
           </a:p>
@@ -3608,7 +3609,7 @@
           <a:ln/>
           <a:extLst>
             <a:ext uri="{91240B29-F687-4f45-9708-019B960494DF}">
-              <a14:hiddenLine xmlns="" xmlns:a14="http://schemas.microsoft.com/office/drawing/2010/main" w="9525">
+              <a14:hiddenLine xmlns:a14="http://schemas.microsoft.com/office/drawing/2010/main" xmlns="" w="9525">
                 <a:solidFill>
                   <a:srgbClr val="000000"/>
                 </a:solidFill>
@@ -3930,7 +3931,7 @@
           <a:p>
             <a:fld id="{67CAAD57-9AB8-48B9-A27B-49D27E080C46}" type="datetimeFigureOut">
               <a:rPr lang="ru-RU" smtClean="0"/>
-              <a:t>12.11.2024</a:t>
+              <a:t>18.11.2024</a:t>
             </a:fld>
             <a:endParaRPr lang="ru-RU"/>
           </a:p>
@@ -4085,7 +4086,7 @@
           <a:ln/>
           <a:extLst>
             <a:ext uri="{91240B29-F687-4f45-9708-019B960494DF}">
-              <a14:hiddenLine xmlns="" xmlns:a14="http://schemas.microsoft.com/office/drawing/2010/main" w="9525">
+              <a14:hiddenLine xmlns:a14="http://schemas.microsoft.com/office/drawing/2010/main" xmlns="" w="9525">
                 <a:solidFill>
                   <a:srgbClr val="000000"/>
                 </a:solidFill>
@@ -4151,7 +4152,7 @@
           <a:p>
             <a:fld id="{67CAAD57-9AB8-48B9-A27B-49D27E080C46}" type="datetimeFigureOut">
               <a:rPr lang="ru-RU" smtClean="0"/>
-              <a:t>12.11.2024</a:t>
+              <a:t>18.11.2024</a:t>
             </a:fld>
             <a:endParaRPr lang="ru-RU"/>
           </a:p>
@@ -4246,7 +4247,7 @@
           <a:p>
             <a:fld id="{67CAAD57-9AB8-48B9-A27B-49D27E080C46}" type="datetimeFigureOut">
               <a:rPr lang="ru-RU" smtClean="0"/>
-              <a:t>12.11.2024</a:t>
+              <a:t>18.11.2024</a:t>
             </a:fld>
             <a:endParaRPr lang="ru-RU"/>
           </a:p>
@@ -4514,7 +4515,7 @@
           <a:ln/>
           <a:extLst>
             <a:ext uri="{91240B29-F687-4f45-9708-019B960494DF}">
-              <a14:hiddenLine xmlns="" xmlns:a14="http://schemas.microsoft.com/office/drawing/2010/main" w="9525">
+              <a14:hiddenLine xmlns:a14="http://schemas.microsoft.com/office/drawing/2010/main" xmlns="" w="9525">
                 <a:solidFill>
                   <a:srgbClr val="000000"/>
                 </a:solidFill>
@@ -4713,7 +4714,7 @@
           <a:p>
             <a:fld id="{67CAAD57-9AB8-48B9-A27B-49D27E080C46}" type="datetimeFigureOut">
               <a:rPr lang="ru-RU" smtClean="0"/>
-              <a:t>12.11.2024</a:t>
+              <a:t>18.11.2024</a:t>
             </a:fld>
             <a:endParaRPr lang="ru-RU"/>
           </a:p>
@@ -5026,7 +5027,7 @@
           <a:p>
             <a:fld id="{67CAAD57-9AB8-48B9-A27B-49D27E080C46}" type="datetimeFigureOut">
               <a:rPr lang="ru-RU" smtClean="0"/>
-              <a:t>12.11.2024</a:t>
+              <a:t>18.11.2024</a:t>
             </a:fld>
             <a:endParaRPr lang="ru-RU"/>
           </a:p>
@@ -5296,7 +5297,7 @@
           <a:p>
             <a:fld id="{67CAAD57-9AB8-48B9-A27B-49D27E080C46}" type="datetimeFigureOut">
               <a:rPr lang="ru-RU" smtClean="0"/>
-              <a:t>12.11.2024</a:t>
+              <a:t>18.11.2024</a:t>
             </a:fld>
             <a:endParaRPr lang="ru-RU"/>
           </a:p>
@@ -6468,10 +6469,10 @@
       </p:sp>
       <p:pic>
         <p:nvPicPr>
-          <p:cNvPr id="21" name="Рисунок 20">
+          <p:cNvPr id="22" name="Рисунок 21">
             <a:extLst>
               <a:ext uri="{FF2B5EF4-FFF2-40B4-BE49-F238E27FC236}">
-                <a16:creationId xmlns:a16="http://schemas.microsoft.com/office/drawing/2014/main" id="{34665229-3273-4B02-4A07-7E00643ADBA8}"/>
+                <a16:creationId xmlns:a16="http://schemas.microsoft.com/office/drawing/2014/main" id="{06CEDA70-B428-B718-16FE-95630D793C9C}"/>
               </a:ext>
             </a:extLst>
           </p:cNvPr>
@@ -6494,8 +6495,8 @@
         </p:blipFill>
         <p:spPr>
           <a:xfrm>
-            <a:off x="4480230" y="2642721"/>
-            <a:ext cx="3006517" cy="3128982"/>
+            <a:off x="8494939" y="2590310"/>
+            <a:ext cx="3629637" cy="3214546"/>
           </a:xfrm>
           <a:prstGeom prst="rect">
             <a:avLst/>
@@ -6504,10 +6505,10 @@
       </p:pic>
       <p:pic>
         <p:nvPicPr>
-          <p:cNvPr id="22" name="Рисунок 21">
+          <p:cNvPr id="23" name="Рисунок 22">
             <a:extLst>
               <a:ext uri="{FF2B5EF4-FFF2-40B4-BE49-F238E27FC236}">
-                <a16:creationId xmlns:a16="http://schemas.microsoft.com/office/drawing/2014/main" id="{06CEDA70-B428-B718-16FE-95630D793C9C}"/>
+                <a16:creationId xmlns:a16="http://schemas.microsoft.com/office/drawing/2014/main" id="{B05F5869-4D0C-F403-5CE7-13B9D4550084}"/>
               </a:ext>
             </a:extLst>
           </p:cNvPr>
@@ -6530,8 +6531,8 @@
         </p:blipFill>
         <p:spPr>
           <a:xfrm>
-            <a:off x="8171817" y="2502087"/>
-            <a:ext cx="4020183" cy="3560428"/>
+            <a:off x="148833" y="4525697"/>
+            <a:ext cx="2894050" cy="960754"/>
           </a:xfrm>
           <a:prstGeom prst="rect">
             <a:avLst/>
@@ -6540,10 +6541,10 @@
       </p:pic>
       <p:pic>
         <p:nvPicPr>
-          <p:cNvPr id="23" name="Рисунок 22">
+          <p:cNvPr id="24" name="Рисунок 23">
             <a:extLst>
               <a:ext uri="{FF2B5EF4-FFF2-40B4-BE49-F238E27FC236}">
-                <a16:creationId xmlns:a16="http://schemas.microsoft.com/office/drawing/2014/main" id="{B05F5869-4D0C-F403-5CE7-13B9D4550084}"/>
+                <a16:creationId xmlns:a16="http://schemas.microsoft.com/office/drawing/2014/main" id="{E6FAC32C-4784-B7DA-8118-8AA27562C7D8}"/>
               </a:ext>
             </a:extLst>
           </p:cNvPr>
@@ -6566,20 +6567,211 @@
         </p:blipFill>
         <p:spPr>
           <a:xfrm>
-            <a:off x="562419" y="4745080"/>
-            <a:ext cx="2894050" cy="960754"/>
+            <a:off x="148833" y="2959769"/>
+            <a:ext cx="2858829" cy="960754"/>
           </a:xfrm>
           <a:prstGeom prst="rect">
             <a:avLst/>
           </a:prstGeom>
         </p:spPr>
       </p:pic>
+      <p:sp>
+        <p:nvSpPr>
+          <p:cNvPr id="32" name="TextBox 31">
+            <a:extLst>
+              <a:ext uri="{FF2B5EF4-FFF2-40B4-BE49-F238E27FC236}">
+                <a16:creationId xmlns:a16="http://schemas.microsoft.com/office/drawing/2014/main" id="{E6C16BA3-3B18-C6E6-6F39-986DEF04403F}"/>
+              </a:ext>
+            </a:extLst>
+          </p:cNvPr>
+          <p:cNvSpPr txBox="1"/>
+          <p:nvPr/>
+        </p:nvSpPr>
+        <p:spPr>
+          <a:xfrm>
+            <a:off x="4525066" y="2133651"/>
+            <a:ext cx="2700242" cy="369332"/>
+          </a:xfrm>
+          <a:prstGeom prst="rect">
+            <a:avLst/>
+          </a:prstGeom>
+          <a:noFill/>
+        </p:spPr>
+        <p:txBody>
+          <a:bodyPr wrap="square" rtlCol="0">
+            <a:spAutoFit/>
+          </a:bodyPr>
+          <a:lstStyle/>
+          <a:p>
+            <a:r>
+              <a:rPr lang="ru-RU" dirty="0"/>
+              <a:t>Добавление файлов</a:t>
+            </a:r>
+          </a:p>
+        </p:txBody>
+      </p:sp>
+      <p:sp>
+        <p:nvSpPr>
+          <p:cNvPr id="33" name="TextBox 32">
+            <a:extLst>
+              <a:ext uri="{FF2B5EF4-FFF2-40B4-BE49-F238E27FC236}">
+                <a16:creationId xmlns:a16="http://schemas.microsoft.com/office/drawing/2014/main" id="{947C4A06-82F1-41BD-D174-BCDD2137BEDB}"/>
+              </a:ext>
+            </a:extLst>
+          </p:cNvPr>
+          <p:cNvSpPr txBox="1"/>
+          <p:nvPr/>
+        </p:nvSpPr>
+        <p:spPr>
+          <a:xfrm>
+            <a:off x="6836237" y="5774310"/>
+            <a:ext cx="1988359" cy="646331"/>
+          </a:xfrm>
+          <a:prstGeom prst="rect">
+            <a:avLst/>
+          </a:prstGeom>
+          <a:noFill/>
+        </p:spPr>
+        <p:txBody>
+          <a:bodyPr wrap="square" rtlCol="0">
+            <a:spAutoFit/>
+          </a:bodyPr>
+          <a:lstStyle/>
+          <a:p>
+            <a:r>
+              <a:rPr lang="ru-RU" dirty="0"/>
+              <a:t>Возможен </a:t>
+            </a:r>
+            <a:endParaRPr lang="en-US" dirty="0"/>
+          </a:p>
+          <a:p>
+            <a:r>
+              <a:rPr lang="en-US" dirty="0"/>
+              <a:t>Drag and Drop</a:t>
+            </a:r>
+            <a:endParaRPr lang="ru-RU" dirty="0"/>
+          </a:p>
+        </p:txBody>
+      </p:sp>
+      <p:sp>
+        <p:nvSpPr>
+          <p:cNvPr id="35" name="TextBox 34">
+            <a:extLst>
+              <a:ext uri="{FF2B5EF4-FFF2-40B4-BE49-F238E27FC236}">
+                <a16:creationId xmlns:a16="http://schemas.microsoft.com/office/drawing/2014/main" id="{53184D44-6ED9-FC64-6A3C-BDE4BEF18641}"/>
+              </a:ext>
+            </a:extLst>
+          </p:cNvPr>
+          <p:cNvSpPr txBox="1"/>
+          <p:nvPr/>
+        </p:nvSpPr>
+        <p:spPr>
+          <a:xfrm>
+            <a:off x="8592447" y="1880473"/>
+            <a:ext cx="3178921" cy="646331"/>
+          </a:xfrm>
+          <a:prstGeom prst="rect">
+            <a:avLst/>
+          </a:prstGeom>
+          <a:noFill/>
+        </p:spPr>
+        <p:txBody>
+          <a:bodyPr wrap="square" rtlCol="0">
+            <a:spAutoFit/>
+          </a:bodyPr>
+          <a:lstStyle/>
+          <a:p>
+            <a:r>
+              <a:rPr lang="ru-RU" dirty="0"/>
+              <a:t>Просмотр истории конвертаций</a:t>
+            </a:r>
+          </a:p>
+        </p:txBody>
+      </p:sp>
+      <p:sp>
+        <p:nvSpPr>
+          <p:cNvPr id="36" name="TextBox 35">
+            <a:extLst>
+              <a:ext uri="{FF2B5EF4-FFF2-40B4-BE49-F238E27FC236}">
+                <a16:creationId xmlns:a16="http://schemas.microsoft.com/office/drawing/2014/main" id="{E07846E1-D27F-6454-23BA-B7C9616E530E}"/>
+              </a:ext>
+            </a:extLst>
+          </p:cNvPr>
+          <p:cNvSpPr txBox="1"/>
+          <p:nvPr/>
+        </p:nvSpPr>
+        <p:spPr>
+          <a:xfrm>
+            <a:off x="664922" y="2267145"/>
+            <a:ext cx="2743291" cy="646331"/>
+          </a:xfrm>
+          <a:prstGeom prst="rect">
+            <a:avLst/>
+          </a:prstGeom>
+          <a:noFill/>
+        </p:spPr>
+        <p:txBody>
+          <a:bodyPr wrap="square" rtlCol="0">
+            <a:spAutoFit/>
+          </a:bodyPr>
+          <a:lstStyle/>
+          <a:p>
+            <a:r>
+              <a:rPr lang="ru-RU" dirty="0"/>
+              <a:t>Выбор конечной директории</a:t>
+            </a:r>
+          </a:p>
+        </p:txBody>
+      </p:sp>
+      <p:sp>
+        <p:nvSpPr>
+          <p:cNvPr id="37" name="TextBox 36">
+            <a:extLst>
+              <a:ext uri="{FF2B5EF4-FFF2-40B4-BE49-F238E27FC236}">
+                <a16:creationId xmlns:a16="http://schemas.microsoft.com/office/drawing/2014/main" id="{95161E7F-B8AB-830D-0D2F-7916963D8373}"/>
+              </a:ext>
+            </a:extLst>
+          </p:cNvPr>
+          <p:cNvSpPr txBox="1"/>
+          <p:nvPr/>
+        </p:nvSpPr>
+        <p:spPr>
+          <a:xfrm>
+            <a:off x="3184726" y="5764481"/>
+            <a:ext cx="3563317" cy="646331"/>
+          </a:xfrm>
+          <a:prstGeom prst="rect">
+            <a:avLst/>
+          </a:prstGeom>
+          <a:noFill/>
+        </p:spPr>
+        <p:txBody>
+          <a:bodyPr wrap="square" rtlCol="0">
+            <a:spAutoFit/>
+          </a:bodyPr>
+          <a:lstStyle/>
+          <a:p>
+            <a:r>
+              <a:rPr lang="ru-RU" dirty="0"/>
+              <a:t>Выбор конечного формата и прозрачности (только </a:t>
+            </a:r>
+            <a:r>
+              <a:rPr lang="en-US" dirty="0"/>
+              <a:t>PNG</a:t>
+            </a:r>
+            <a:r>
+              <a:rPr lang="ru-RU" dirty="0"/>
+              <a:t>)</a:t>
+            </a:r>
+          </a:p>
+        </p:txBody>
+      </p:sp>
       <p:pic>
         <p:nvPicPr>
-          <p:cNvPr id="24" name="Рисунок 23">
+          <p:cNvPr id="4" name="Рисунок 3">
             <a:extLst>
               <a:ext uri="{FF2B5EF4-FFF2-40B4-BE49-F238E27FC236}">
-                <a16:creationId xmlns:a16="http://schemas.microsoft.com/office/drawing/2014/main" id="{E6FAC32C-4784-B7DA-8118-8AA27562C7D8}"/>
+                <a16:creationId xmlns:a16="http://schemas.microsoft.com/office/drawing/2014/main" id="{46BED837-F040-D5C9-2A78-EA9DCFEB38B6}"/>
               </a:ext>
             </a:extLst>
           </p:cNvPr>
@@ -6589,52 +6781,134 @@
           <p:nvPr/>
         </p:nvPicPr>
         <p:blipFill>
-          <a:blip r:embed="rId5">
-            <a:extLst>
-              <a:ext uri="{28A0092B-C50C-407E-A947-70E740481C1C}">
-                <a14:useLocalDpi xmlns:a14="http://schemas.microsoft.com/office/drawing/2010/main" val="0"/>
-              </a:ext>
-            </a:extLst>
-          </a:blip>
+          <a:blip r:embed="rId5"/>
           <a:stretch>
             <a:fillRect/>
           </a:stretch>
         </p:blipFill>
         <p:spPr>
           <a:xfrm>
-            <a:off x="577734" y="3144865"/>
-            <a:ext cx="2858829" cy="960754"/>
+            <a:off x="5875187" y="2913476"/>
+            <a:ext cx="2467753" cy="2568068"/>
           </a:xfrm>
           <a:prstGeom prst="rect">
             <a:avLst/>
           </a:prstGeom>
         </p:spPr>
       </p:pic>
+      <p:pic>
+        <p:nvPicPr>
+          <p:cNvPr id="10" name="Рисунок 9">
+            <a:extLst>
+              <a:ext uri="{FF2B5EF4-FFF2-40B4-BE49-F238E27FC236}">
+                <a16:creationId xmlns:a16="http://schemas.microsoft.com/office/drawing/2014/main" id="{C406CC53-4FED-18E6-95FC-ADF2BB6AFF27}"/>
+              </a:ext>
+            </a:extLst>
+          </p:cNvPr>
+          <p:cNvPicPr>
+            <a:picLocks noChangeAspect="1"/>
+          </p:cNvPicPr>
+          <p:nvPr/>
+        </p:nvPicPr>
+        <p:blipFill>
+          <a:blip r:embed="rId6"/>
+          <a:stretch>
+            <a:fillRect/>
+          </a:stretch>
+        </p:blipFill>
+        <p:spPr>
+          <a:xfrm>
+            <a:off x="114849" y="5865640"/>
+            <a:ext cx="1628644" cy="860416"/>
+          </a:xfrm>
+          <a:prstGeom prst="rect">
+            <a:avLst/>
+          </a:prstGeom>
+        </p:spPr>
+      </p:pic>
+      <p:pic>
+        <p:nvPicPr>
+          <p:cNvPr id="12" name="Рисунок 11">
+            <a:extLst>
+              <a:ext uri="{FF2B5EF4-FFF2-40B4-BE49-F238E27FC236}">
+                <a16:creationId xmlns:a16="http://schemas.microsoft.com/office/drawing/2014/main" id="{2FE04408-5806-A61E-834C-F43DC9B164FB}"/>
+              </a:ext>
+            </a:extLst>
+          </p:cNvPr>
+          <p:cNvPicPr>
+            <a:picLocks noChangeAspect="1"/>
+          </p:cNvPicPr>
+          <p:nvPr/>
+        </p:nvPicPr>
+        <p:blipFill>
+          <a:blip r:embed="rId7"/>
+          <a:stretch>
+            <a:fillRect/>
+          </a:stretch>
+        </p:blipFill>
+        <p:spPr>
+          <a:xfrm>
+            <a:off x="1976605" y="5865641"/>
+            <a:ext cx="1197536" cy="860415"/>
+          </a:xfrm>
+          <a:prstGeom prst="rect">
+            <a:avLst/>
+          </a:prstGeom>
+        </p:spPr>
+      </p:pic>
+      <p:pic>
+        <p:nvPicPr>
+          <p:cNvPr id="49" name="Рисунок 48">
+            <a:extLst>
+              <a:ext uri="{FF2B5EF4-FFF2-40B4-BE49-F238E27FC236}">
+                <a16:creationId xmlns:a16="http://schemas.microsoft.com/office/drawing/2014/main" id="{3915B543-BBF3-A18A-F124-8BAE3198F4C6}"/>
+              </a:ext>
+            </a:extLst>
+          </p:cNvPr>
+          <p:cNvPicPr>
+            <a:picLocks noChangeAspect="1"/>
+          </p:cNvPicPr>
+          <p:nvPr/>
+        </p:nvPicPr>
+        <p:blipFill>
+          <a:blip r:embed="rId8"/>
+          <a:stretch>
+            <a:fillRect/>
+          </a:stretch>
+        </p:blipFill>
+        <p:spPr>
+          <a:xfrm>
+            <a:off x="3270054" y="2913476"/>
+            <a:ext cx="2453134" cy="2573288"/>
+          </a:xfrm>
+          <a:prstGeom prst="rect">
+            <a:avLst/>
+          </a:prstGeom>
+        </p:spPr>
+      </p:pic>
       <p:cxnSp>
         <p:nvCxnSpPr>
-          <p:cNvPr id="25" name="Соединитель: уступ 24">
+          <p:cNvPr id="57" name="Соединитель: уступ 56">
             <a:extLst>
               <a:ext uri="{FF2B5EF4-FFF2-40B4-BE49-F238E27FC236}">
-                <a16:creationId xmlns:a16="http://schemas.microsoft.com/office/drawing/2014/main" id="{3A547169-8337-0042-4FE9-6E439606B46C}"/>
+                <a16:creationId xmlns:a16="http://schemas.microsoft.com/office/drawing/2014/main" id="{213EED80-A7F1-2E17-7BA6-114E22081C3E}"/>
               </a:ext>
             </a:extLst>
           </p:cNvPr>
           <p:cNvCxnSpPr>
             <a:cxnSpLocks/>
-            <a:stCxn id="21" idx="3"/>
+            <a:stCxn id="4" idx="3"/>
             <a:endCxn id="22" idx="1"/>
           </p:cNvCxnSpPr>
           <p:nvPr/>
         </p:nvCxnSpPr>
         <p:spPr>
           <a:xfrm>
-            <a:off x="7486747" y="4207212"/>
-            <a:ext cx="685070" cy="75089"/>
+            <a:off x="8342940" y="4197510"/>
+            <a:ext cx="151999" cy="73"/>
           </a:xfrm>
           <a:prstGeom prst="bentConnector3">
-            <a:avLst>
-              <a:gd name="adj1" fmla="val 50000"/>
-            </a:avLst>
+            <a:avLst/>
           </a:prstGeom>
           <a:ln>
             <a:tailEnd type="triangle"/>
@@ -6657,24 +6931,24 @@
       </p:cxnSp>
       <p:cxnSp>
         <p:nvCxnSpPr>
-          <p:cNvPr id="26" name="Соединитель: уступ 25">
+          <p:cNvPr id="61" name="Соединитель: уступ 60">
             <a:extLst>
               <a:ext uri="{FF2B5EF4-FFF2-40B4-BE49-F238E27FC236}">
-                <a16:creationId xmlns:a16="http://schemas.microsoft.com/office/drawing/2014/main" id="{8B3CF1E4-DAAF-2B21-FBE5-4E653A42591C}"/>
+                <a16:creationId xmlns:a16="http://schemas.microsoft.com/office/drawing/2014/main" id="{97C138DC-0B82-0EA3-BAC5-6031EB65C42B}"/>
               </a:ext>
             </a:extLst>
           </p:cNvPr>
           <p:cNvCxnSpPr>
             <a:cxnSpLocks/>
-            <a:stCxn id="21" idx="1"/>
-            <a:endCxn id="24" idx="3"/>
+            <a:stCxn id="4" idx="1"/>
+            <a:endCxn id="49" idx="3"/>
           </p:cNvCxnSpPr>
           <p:nvPr/>
         </p:nvCxnSpPr>
         <p:spPr>
-          <a:xfrm rot="10800000">
-            <a:off x="3436564" y="3625242"/>
-            <a:ext cx="1043667" cy="581970"/>
+          <a:xfrm rot="10800000" flipV="1">
+            <a:off x="5723189" y="4197510"/>
+            <a:ext cx="151999" cy="2610"/>
           </a:xfrm>
           <a:prstGeom prst="bentConnector3">
             <a:avLst/>
@@ -6700,29 +6974,27 @@
       </p:cxnSp>
       <p:cxnSp>
         <p:nvCxnSpPr>
-          <p:cNvPr id="27" name="Соединитель: уступ 26">
+          <p:cNvPr id="64" name="Соединитель: уступ 63">
             <a:extLst>
               <a:ext uri="{FF2B5EF4-FFF2-40B4-BE49-F238E27FC236}">
-                <a16:creationId xmlns:a16="http://schemas.microsoft.com/office/drawing/2014/main" id="{3AF28CD0-6F6F-7BF4-0055-385722186603}"/>
+                <a16:creationId xmlns:a16="http://schemas.microsoft.com/office/drawing/2014/main" id="{2D6AAD3C-783E-387F-E2BC-5C7FAF5BAA2B}"/>
               </a:ext>
             </a:extLst>
           </p:cNvPr>
           <p:cNvCxnSpPr>
             <a:cxnSpLocks/>
-            <a:stCxn id="21" idx="1"/>
-            <a:endCxn id="23" idx="3"/>
+            <a:stCxn id="49" idx="1"/>
+            <a:endCxn id="24" idx="3"/>
           </p:cNvCxnSpPr>
           <p:nvPr/>
         </p:nvCxnSpPr>
         <p:spPr>
-          <a:xfrm rot="10800000" flipV="1">
-            <a:off x="3456470" y="4207211"/>
-            <a:ext cx="1023761" cy="1018245"/>
+          <a:xfrm rot="10800000">
+            <a:off x="3007662" y="3440146"/>
+            <a:ext cx="262392" cy="759974"/>
           </a:xfrm>
           <a:prstGeom prst="bentConnector3">
-            <a:avLst>
-              <a:gd name="adj1" fmla="val 50000"/>
-            </a:avLst>
+            <a:avLst/>
           </a:prstGeom>
           <a:ln>
             <a:tailEnd type="triangle"/>
@@ -6743,189 +7015,135 @@
           </a:fontRef>
         </p:style>
       </p:cxnSp>
-      <p:sp>
-        <p:nvSpPr>
-          <p:cNvPr id="32" name="TextBox 31">
+      <p:cxnSp>
+        <p:nvCxnSpPr>
+          <p:cNvPr id="67" name="Соединитель: уступ 66">
             <a:extLst>
               <a:ext uri="{FF2B5EF4-FFF2-40B4-BE49-F238E27FC236}">
-                <a16:creationId xmlns:a16="http://schemas.microsoft.com/office/drawing/2014/main" id="{E6C16BA3-3B18-C6E6-6F39-986DEF04403F}"/>
+                <a16:creationId xmlns:a16="http://schemas.microsoft.com/office/drawing/2014/main" id="{B7C9EC74-A6D3-AC27-1C00-2DF30507898C}"/>
               </a:ext>
             </a:extLst>
           </p:cNvPr>
-          <p:cNvSpPr txBox="1"/>
+          <p:cNvCxnSpPr>
+            <a:cxnSpLocks/>
+            <a:stCxn id="49" idx="1"/>
+            <a:endCxn id="23" idx="3"/>
+          </p:cNvCxnSpPr>
           <p:nvPr/>
-        </p:nvSpPr>
+        </p:nvCxnSpPr>
         <p:spPr>
-          <a:xfrm>
-            <a:off x="4621095" y="2123372"/>
-            <a:ext cx="2700242" cy="369332"/>
-          </a:xfrm>
-          <a:prstGeom prst="rect">
+          <a:xfrm rot="10800000" flipV="1">
+            <a:off x="3042884" y="4200120"/>
+            <a:ext cx="227171" cy="805954"/>
+          </a:xfrm>
+          <a:prstGeom prst="bentConnector3">
             <a:avLst/>
           </a:prstGeom>
-          <a:noFill/>
-        </p:spPr>
-        <p:txBody>
-          <a:bodyPr wrap="square" rtlCol="0">
-            <a:spAutoFit/>
-          </a:bodyPr>
-          <a:lstStyle/>
-          <a:p>
-            <a:r>
-              <a:rPr lang="ru-RU" dirty="0"/>
-              <a:t>Добавление файлов</a:t>
-            </a:r>
-          </a:p>
-        </p:txBody>
-      </p:sp>
-      <p:sp>
-        <p:nvSpPr>
-          <p:cNvPr id="33" name="TextBox 32">
+          <a:ln>
+            <a:tailEnd type="triangle"/>
+          </a:ln>
+        </p:spPr>
+        <p:style>
+          <a:lnRef idx="1">
+            <a:schemeClr val="accent1"/>
+          </a:lnRef>
+          <a:fillRef idx="0">
+            <a:schemeClr val="accent1"/>
+          </a:fillRef>
+          <a:effectRef idx="0">
+            <a:schemeClr val="accent1"/>
+          </a:effectRef>
+          <a:fontRef idx="minor">
+            <a:schemeClr val="tx1"/>
+          </a:fontRef>
+        </p:style>
+      </p:cxnSp>
+      <p:cxnSp>
+        <p:nvCxnSpPr>
+          <p:cNvPr id="96" name="Соединитель: уступ 95">
             <a:extLst>
               <a:ext uri="{FF2B5EF4-FFF2-40B4-BE49-F238E27FC236}">
-                <a16:creationId xmlns:a16="http://schemas.microsoft.com/office/drawing/2014/main" id="{947C4A06-82F1-41BD-D174-BCDD2137BEDB}"/>
+                <a16:creationId xmlns:a16="http://schemas.microsoft.com/office/drawing/2014/main" id="{5A8AC830-FA23-DD41-2092-A24F8C7D6D31}"/>
               </a:ext>
             </a:extLst>
           </p:cNvPr>
-          <p:cNvSpPr txBox="1"/>
+          <p:cNvCxnSpPr>
+            <a:cxnSpLocks/>
+            <a:stCxn id="23" idx="2"/>
+            <a:endCxn id="10" idx="0"/>
+          </p:cNvCxnSpPr>
           <p:nvPr/>
-        </p:nvSpPr>
+        </p:nvCxnSpPr>
         <p:spPr>
-          <a:xfrm>
-            <a:off x="6768728" y="6062515"/>
-            <a:ext cx="1988359" cy="646331"/>
-          </a:xfrm>
-          <a:prstGeom prst="rect">
+          <a:xfrm rot="5400000">
+            <a:off x="1072921" y="5342702"/>
+            <a:ext cx="379189" cy="666687"/>
+          </a:xfrm>
+          <a:prstGeom prst="bentConnector3">
             <a:avLst/>
           </a:prstGeom>
-          <a:noFill/>
-        </p:spPr>
-        <p:txBody>
-          <a:bodyPr wrap="square" rtlCol="0">
-            <a:spAutoFit/>
-          </a:bodyPr>
-          <a:lstStyle/>
-          <a:p>
-            <a:r>
-              <a:rPr lang="ru-RU" dirty="0"/>
-              <a:t>Возможен </a:t>
-            </a:r>
-            <a:endParaRPr lang="en-US" dirty="0"/>
-          </a:p>
-          <a:p>
-            <a:r>
-              <a:rPr lang="en-US" dirty="0"/>
-              <a:t>Drag and Drop</a:t>
-            </a:r>
-            <a:endParaRPr lang="ru-RU" dirty="0"/>
-          </a:p>
-        </p:txBody>
-      </p:sp>
-      <p:sp>
-        <p:nvSpPr>
-          <p:cNvPr id="35" name="TextBox 34">
+          <a:ln>
+            <a:tailEnd type="triangle"/>
+          </a:ln>
+        </p:spPr>
+        <p:style>
+          <a:lnRef idx="1">
+            <a:schemeClr val="accent1"/>
+          </a:lnRef>
+          <a:fillRef idx="0">
+            <a:schemeClr val="accent1"/>
+          </a:fillRef>
+          <a:effectRef idx="0">
+            <a:schemeClr val="accent1"/>
+          </a:effectRef>
+          <a:fontRef idx="minor">
+            <a:schemeClr val="tx1"/>
+          </a:fontRef>
+        </p:style>
+      </p:cxnSp>
+      <p:cxnSp>
+        <p:nvCxnSpPr>
+          <p:cNvPr id="99" name="Соединитель: уступ 98">
             <a:extLst>
               <a:ext uri="{FF2B5EF4-FFF2-40B4-BE49-F238E27FC236}">
-                <a16:creationId xmlns:a16="http://schemas.microsoft.com/office/drawing/2014/main" id="{53184D44-6ED9-FC64-6A3C-BDE4BEF18641}"/>
+                <a16:creationId xmlns:a16="http://schemas.microsoft.com/office/drawing/2014/main" id="{BB67EE0E-484F-A267-26B0-93092B8C0CFA}"/>
               </a:ext>
             </a:extLst>
           </p:cNvPr>
-          <p:cNvSpPr txBox="1"/>
+          <p:cNvCxnSpPr>
+            <a:cxnSpLocks/>
+            <a:stCxn id="23" idx="2"/>
+            <a:endCxn id="12" idx="0"/>
+          </p:cNvCxnSpPr>
           <p:nvPr/>
-        </p:nvSpPr>
+        </p:nvCxnSpPr>
         <p:spPr>
-          <a:xfrm>
-            <a:off x="8592447" y="1880473"/>
-            <a:ext cx="3178921" cy="646331"/>
-          </a:xfrm>
-          <a:prstGeom prst="rect">
+          <a:xfrm rot="16200000" flipH="1">
+            <a:off x="1896020" y="5186288"/>
+            <a:ext cx="379190" cy="979515"/>
+          </a:xfrm>
+          <a:prstGeom prst="bentConnector3">
             <a:avLst/>
           </a:prstGeom>
-          <a:noFill/>
-        </p:spPr>
-        <p:txBody>
-          <a:bodyPr wrap="square" rtlCol="0">
-            <a:spAutoFit/>
-          </a:bodyPr>
-          <a:lstStyle/>
-          <a:p>
-            <a:r>
-              <a:rPr lang="ru-RU" dirty="0"/>
-              <a:t>Просмотр истории конвертаций</a:t>
-            </a:r>
-          </a:p>
-        </p:txBody>
-      </p:sp>
-      <p:sp>
-        <p:nvSpPr>
-          <p:cNvPr id="36" name="TextBox 35">
-            <a:extLst>
-              <a:ext uri="{FF2B5EF4-FFF2-40B4-BE49-F238E27FC236}">
-                <a16:creationId xmlns:a16="http://schemas.microsoft.com/office/drawing/2014/main" id="{E07846E1-D27F-6454-23BA-B7C9616E530E}"/>
-              </a:ext>
-            </a:extLst>
-          </p:cNvPr>
-          <p:cNvSpPr txBox="1"/>
-          <p:nvPr/>
-        </p:nvSpPr>
-        <p:spPr>
-          <a:xfrm>
-            <a:off x="664922" y="2267145"/>
-            <a:ext cx="2743291" cy="646331"/>
-          </a:xfrm>
-          <a:prstGeom prst="rect">
-            <a:avLst/>
-          </a:prstGeom>
-          <a:noFill/>
-        </p:spPr>
-        <p:txBody>
-          <a:bodyPr wrap="square" rtlCol="0">
-            <a:spAutoFit/>
-          </a:bodyPr>
-          <a:lstStyle/>
-          <a:p>
-            <a:r>
-              <a:rPr lang="ru-RU" dirty="0"/>
-              <a:t>Выбор конечной директории</a:t>
-            </a:r>
-          </a:p>
-        </p:txBody>
-      </p:sp>
-      <p:sp>
-        <p:nvSpPr>
-          <p:cNvPr id="37" name="TextBox 36">
-            <a:extLst>
-              <a:ext uri="{FF2B5EF4-FFF2-40B4-BE49-F238E27FC236}">
-                <a16:creationId xmlns:a16="http://schemas.microsoft.com/office/drawing/2014/main" id="{95161E7F-B8AB-830D-0D2F-7916963D8373}"/>
-              </a:ext>
-            </a:extLst>
-          </p:cNvPr>
-          <p:cNvSpPr txBox="1"/>
-          <p:nvPr/>
-        </p:nvSpPr>
-        <p:spPr>
-          <a:xfrm>
-            <a:off x="3333815" y="6061760"/>
-            <a:ext cx="3396149" cy="646331"/>
-          </a:xfrm>
-          <a:prstGeom prst="rect">
-            <a:avLst/>
-          </a:prstGeom>
-          <a:noFill/>
-        </p:spPr>
-        <p:txBody>
-          <a:bodyPr wrap="square" rtlCol="0">
-            <a:spAutoFit/>
-          </a:bodyPr>
-          <a:lstStyle/>
-          <a:p>
-            <a:r>
-              <a:rPr lang="ru-RU" dirty="0"/>
-              <a:t>Выбор конечного формата и исходной кодировки</a:t>
-            </a:r>
-          </a:p>
-        </p:txBody>
-      </p:sp>
+          <a:ln>
+            <a:tailEnd type="triangle"/>
+          </a:ln>
+        </p:spPr>
+        <p:style>
+          <a:lnRef idx="1">
+            <a:schemeClr val="accent1"/>
+          </a:lnRef>
+          <a:fillRef idx="0">
+            <a:schemeClr val="accent1"/>
+          </a:fillRef>
+          <a:effectRef idx="0">
+            <a:schemeClr val="accent1"/>
+          </a:effectRef>
+          <a:fontRef idx="minor">
+            <a:schemeClr val="tx1"/>
+          </a:fontRef>
+        </p:style>
+      </p:cxnSp>
     </p:spTree>
     <p:extLst>
       <p:ext uri="{BB962C8B-B14F-4D97-AF65-F5344CB8AC3E}">
@@ -6940,6 +7158,126 @@
 </file>
 
 <file path=ppt/slides/slide5.xml><?xml version="1.0" encoding="utf-8"?>
+<p:sld xmlns:a="http://schemas.openxmlformats.org/drawingml/2006/main" xmlns:r="http://schemas.openxmlformats.org/officeDocument/2006/relationships" xmlns:p="http://schemas.openxmlformats.org/presentationml/2006/main">
+  <p:cSld>
+    <p:spTree>
+      <p:nvGrpSpPr>
+        <p:cNvPr id="1" name=""/>
+        <p:cNvGrpSpPr/>
+        <p:nvPr/>
+      </p:nvGrpSpPr>
+      <p:grpSpPr>
+        <a:xfrm>
+          <a:off x="0" y="0"/>
+          <a:ext cx="0" cy="0"/>
+          <a:chOff x="0" y="0"/>
+          <a:chExt cx="0" cy="0"/>
+        </a:xfrm>
+      </p:grpSpPr>
+      <p:pic>
+        <p:nvPicPr>
+          <p:cNvPr id="3" name="Рисунок 2">
+            <a:extLst>
+              <a:ext uri="{FF2B5EF4-FFF2-40B4-BE49-F238E27FC236}">
+                <a16:creationId xmlns:a16="http://schemas.microsoft.com/office/drawing/2014/main" id="{AC150725-402B-476C-D332-1218261AFE6D}"/>
+              </a:ext>
+            </a:extLst>
+          </p:cNvPr>
+          <p:cNvPicPr>
+            <a:picLocks noChangeAspect="1"/>
+          </p:cNvPicPr>
+          <p:nvPr/>
+        </p:nvPicPr>
+        <p:blipFill>
+          <a:blip r:embed="rId2"/>
+          <a:stretch>
+            <a:fillRect/>
+          </a:stretch>
+        </p:blipFill>
+        <p:spPr>
+          <a:xfrm>
+            <a:off x="1424820" y="180996"/>
+            <a:ext cx="4671180" cy="3821069"/>
+          </a:xfrm>
+          <a:prstGeom prst="rect">
+            <a:avLst/>
+          </a:prstGeom>
+        </p:spPr>
+      </p:pic>
+      <p:pic>
+        <p:nvPicPr>
+          <p:cNvPr id="7" name="Рисунок 6">
+            <a:extLst>
+              <a:ext uri="{FF2B5EF4-FFF2-40B4-BE49-F238E27FC236}">
+                <a16:creationId xmlns:a16="http://schemas.microsoft.com/office/drawing/2014/main" id="{CA861C8F-313D-ECEC-73E0-8F7EB0943AA7}"/>
+              </a:ext>
+            </a:extLst>
+          </p:cNvPr>
+          <p:cNvPicPr>
+            <a:picLocks noChangeAspect="1"/>
+          </p:cNvPicPr>
+          <p:nvPr/>
+        </p:nvPicPr>
+        <p:blipFill>
+          <a:blip r:embed="rId3"/>
+          <a:stretch>
+            <a:fillRect/>
+          </a:stretch>
+        </p:blipFill>
+        <p:spPr>
+          <a:xfrm>
+            <a:off x="7437777" y="180996"/>
+            <a:ext cx="3879487" cy="6601221"/>
+          </a:xfrm>
+          <a:prstGeom prst="rect">
+            <a:avLst/>
+          </a:prstGeom>
+        </p:spPr>
+      </p:pic>
+      <p:pic>
+        <p:nvPicPr>
+          <p:cNvPr id="9" name="Рисунок 8">
+            <a:extLst>
+              <a:ext uri="{FF2B5EF4-FFF2-40B4-BE49-F238E27FC236}">
+                <a16:creationId xmlns:a16="http://schemas.microsoft.com/office/drawing/2014/main" id="{A0BBB5B0-633C-5D36-ECEE-1275A9D36505}"/>
+              </a:ext>
+            </a:extLst>
+          </p:cNvPr>
+          <p:cNvPicPr>
+            <a:picLocks noChangeAspect="1"/>
+          </p:cNvPicPr>
+          <p:nvPr/>
+        </p:nvPicPr>
+        <p:blipFill>
+          <a:blip r:embed="rId4"/>
+          <a:stretch>
+            <a:fillRect/>
+          </a:stretch>
+        </p:blipFill>
+        <p:spPr>
+          <a:xfrm>
+            <a:off x="484893" y="4594702"/>
+            <a:ext cx="6034906" cy="1583363"/>
+          </a:xfrm>
+          <a:prstGeom prst="rect">
+            <a:avLst/>
+          </a:prstGeom>
+        </p:spPr>
+      </p:pic>
+    </p:spTree>
+    <p:extLst>
+      <p:ext uri="{BB962C8B-B14F-4D97-AF65-F5344CB8AC3E}">
+        <p14:creationId xmlns:p14="http://schemas.microsoft.com/office/powerpoint/2010/main" val="73253638"/>
+      </p:ext>
+    </p:extLst>
+  </p:cSld>
+  <p:clrMapOvr>
+    <a:masterClrMapping/>
+  </p:clrMapOvr>
+</p:sld>
+</file>
+
+<file path=ppt/slides/slide6.xml><?xml version="1.0" encoding="utf-8"?>
 <p:sld xmlns:a="http://schemas.openxmlformats.org/drawingml/2006/main" xmlns:r="http://schemas.openxmlformats.org/officeDocument/2006/relationships" xmlns:p="http://schemas.openxmlformats.org/presentationml/2006/main">
   <p:cSld>
     <p:spTree>
